--- a/CauTrucLuanVan.pptx
+++ b/CauTrucLuanVan.pptx
@@ -13,8 +13,9 @@
     <p:sldId id="261" r:id="rId7"/>
     <p:sldId id="262" r:id="rId8"/>
     <p:sldId id="263" r:id="rId9"/>
-    <p:sldId id="264" r:id="rId10"/>
-    <p:sldId id="265" r:id="rId11"/>
+    <p:sldId id="266" r:id="rId10"/>
+    <p:sldId id="264" r:id="rId11"/>
+    <p:sldId id="265" r:id="rId12"/>
   </p:sldIdLst>
   <p:sldSz cx="9144000" cy="6858000" type="screen4x3"/>
   <p:notesSz cx="6858000" cy="9144000"/>
@@ -256,7 +257,7 @@
           <a:p>
             <a:fld id="{78EC00B6-15BE-4104-9D02-701931BB22D0}" type="datetimeFigureOut">
               <a:rPr lang="en-US" smtClean="0"/>
-              <a:t>6/9/17</a:t>
+              <a:t>6/9/2017</a:t>
             </a:fld>
             <a:endParaRPr lang="en-US"/>
           </a:p>
@@ -426,7 +427,7 @@
           <a:p>
             <a:fld id="{78EC00B6-15BE-4104-9D02-701931BB22D0}" type="datetimeFigureOut">
               <a:rPr lang="en-US" smtClean="0"/>
-              <a:t>6/9/17</a:t>
+              <a:t>6/9/2017</a:t>
             </a:fld>
             <a:endParaRPr lang="en-US"/>
           </a:p>
@@ -606,7 +607,7 @@
           <a:p>
             <a:fld id="{78EC00B6-15BE-4104-9D02-701931BB22D0}" type="datetimeFigureOut">
               <a:rPr lang="en-US" smtClean="0"/>
-              <a:t>6/9/17</a:t>
+              <a:t>6/9/2017</a:t>
             </a:fld>
             <a:endParaRPr lang="en-US"/>
           </a:p>
@@ -776,7 +777,7 @@
           <a:p>
             <a:fld id="{78EC00B6-15BE-4104-9D02-701931BB22D0}" type="datetimeFigureOut">
               <a:rPr lang="en-US" smtClean="0"/>
-              <a:t>6/9/17</a:t>
+              <a:t>6/9/2017</a:t>
             </a:fld>
             <a:endParaRPr lang="en-US"/>
           </a:p>
@@ -1020,7 +1021,7 @@
           <a:p>
             <a:fld id="{78EC00B6-15BE-4104-9D02-701931BB22D0}" type="datetimeFigureOut">
               <a:rPr lang="en-US" smtClean="0"/>
-              <a:t>6/9/17</a:t>
+              <a:t>6/9/2017</a:t>
             </a:fld>
             <a:endParaRPr lang="en-US"/>
           </a:p>
@@ -1252,7 +1253,7 @@
           <a:p>
             <a:fld id="{78EC00B6-15BE-4104-9D02-701931BB22D0}" type="datetimeFigureOut">
               <a:rPr lang="en-US" smtClean="0"/>
-              <a:t>6/9/17</a:t>
+              <a:t>6/9/2017</a:t>
             </a:fld>
             <a:endParaRPr lang="en-US"/>
           </a:p>
@@ -1619,7 +1620,7 @@
           <a:p>
             <a:fld id="{78EC00B6-15BE-4104-9D02-701931BB22D0}" type="datetimeFigureOut">
               <a:rPr lang="en-US" smtClean="0"/>
-              <a:t>6/9/17</a:t>
+              <a:t>6/9/2017</a:t>
             </a:fld>
             <a:endParaRPr lang="en-US"/>
           </a:p>
@@ -1737,7 +1738,7 @@
           <a:p>
             <a:fld id="{78EC00B6-15BE-4104-9D02-701931BB22D0}" type="datetimeFigureOut">
               <a:rPr lang="en-US" smtClean="0"/>
-              <a:t>6/9/17</a:t>
+              <a:t>6/9/2017</a:t>
             </a:fld>
             <a:endParaRPr lang="en-US"/>
           </a:p>
@@ -1832,7 +1833,7 @@
           <a:p>
             <a:fld id="{78EC00B6-15BE-4104-9D02-701931BB22D0}" type="datetimeFigureOut">
               <a:rPr lang="en-US" smtClean="0"/>
-              <a:t>6/9/17</a:t>
+              <a:t>6/9/2017</a:t>
             </a:fld>
             <a:endParaRPr lang="en-US"/>
           </a:p>
@@ -2109,7 +2110,7 @@
           <a:p>
             <a:fld id="{78EC00B6-15BE-4104-9D02-701931BB22D0}" type="datetimeFigureOut">
               <a:rPr lang="en-US" smtClean="0"/>
-              <a:t>6/9/17</a:t>
+              <a:t>6/9/2017</a:t>
             </a:fld>
             <a:endParaRPr lang="en-US"/>
           </a:p>
@@ -2366,7 +2367,7 @@
           <a:p>
             <a:fld id="{78EC00B6-15BE-4104-9D02-701931BB22D0}" type="datetimeFigureOut">
               <a:rPr lang="en-US" smtClean="0"/>
-              <a:t>6/9/17</a:t>
+              <a:t>6/9/2017</a:t>
             </a:fld>
             <a:endParaRPr lang="en-US"/>
           </a:p>
@@ -2579,7 +2580,7 @@
           <a:p>
             <a:fld id="{78EC00B6-15BE-4104-9D02-701931BB22D0}" type="datetimeFigureOut">
               <a:rPr lang="en-US" smtClean="0"/>
-              <a:t>6/9/17</a:t>
+              <a:t>6/9/2017</a:t>
             </a:fld>
             <a:endParaRPr lang="en-US"/>
           </a:p>
@@ -3002,7 +3003,7 @@
           <a:lstStyle/>
           <a:p>
             <a:r>
-              <a:rPr lang="vi-VN" sz="4800" dirty="0" smtClean="0">
+              <a:rPr lang="vi-VN" sz="4800" dirty="0">
                 <a:latin typeface="Calibri" charset="0"/>
                 <a:ea typeface="Calibri" charset="0"/>
                 <a:cs typeface="Calibri" charset="0"/>
@@ -3010,7 +3011,7 @@
               <a:t>[</a:t>
             </a:r>
             <a:r>
-              <a:rPr lang="en-US" sz="4800" dirty="0" err="1" smtClean="0">
+              <a:rPr lang="en-US" sz="4800" dirty="0" err="1">
                 <a:latin typeface="Calibri" charset="0"/>
                 <a:ea typeface="Calibri" charset="0"/>
                 <a:cs typeface="Calibri" charset="0"/>
@@ -3018,7 +3019,7 @@
               <a:t>Ti</a:t>
             </a:r>
             <a:r>
-              <a:rPr lang="vi-VN" sz="4800" dirty="0" smtClean="0">
+              <a:rPr lang="vi-VN" sz="4800" dirty="0">
                 <a:latin typeface="Calibri" charset="0"/>
                 <a:ea typeface="Calibri" charset="0"/>
                 <a:cs typeface="Calibri" charset="0"/>
@@ -3079,13 +3080,13 @@
               <a:t>hiện</a:t>
             </a:r>
             <a:r>
-              <a:rPr lang="en-US" dirty="0" smtClean="0"/>
+              <a:rPr lang="en-US" dirty="0"/>
               <a:t>: </a:t>
             </a:r>
           </a:p>
           <a:p>
             <a:r>
-              <a:rPr lang="en-US" dirty="0" smtClean="0">
+              <a:rPr lang="en-US" dirty="0">
                 <a:latin typeface="Calibri" charset="0"/>
                 <a:ea typeface="Calibri" charset="0"/>
                 <a:cs typeface="Calibri" charset="0"/>
@@ -3093,20 +3094,12 @@
               <a:t>B</a:t>
             </a:r>
             <a:r>
-              <a:rPr lang="vi-VN" dirty="0" smtClean="0">
+              <a:rPr lang="vi-VN" dirty="0">
                 <a:latin typeface="Calibri" charset="0"/>
                 <a:ea typeface="Calibri" charset="0"/>
                 <a:cs typeface="Calibri" charset="0"/>
               </a:rPr>
-              <a:t>ùi Trung Hải, </a:t>
-            </a:r>
-            <a:r>
-              <a:rPr lang="vi-VN" dirty="0" smtClean="0">
-                <a:latin typeface="Calibri" charset="0"/>
-                <a:ea typeface="Calibri" charset="0"/>
-                <a:cs typeface="Calibri" charset="0"/>
-              </a:rPr>
-              <a:t>Phạm Ngọc Tuấn</a:t>
+              <a:t>ùi Trung Hải, Phạm Ngọc Tuấn</a:t>
             </a:r>
             <a:endParaRPr lang="en-US" dirty="0">
               <a:latin typeface="Calibri" charset="0"/>
@@ -3216,6 +3209,283 @@
           <a:p>
             <a:r>
               <a:rPr lang="en-US" dirty="0" err="1"/>
+              <a:t>Chương</a:t>
+            </a:r>
+            <a:r>
+              <a:rPr lang="en-US" dirty="0"/>
+              <a:t> 7 </a:t>
+            </a:r>
+            <a:r>
+              <a:rPr lang="en-US" dirty="0" err="1"/>
+              <a:t>Kết</a:t>
+            </a:r>
+            <a:r>
+              <a:rPr lang="en-US" dirty="0"/>
+              <a:t> </a:t>
+            </a:r>
+            <a:r>
+              <a:rPr lang="en-US" dirty="0" err="1"/>
+              <a:t>luận</a:t>
+            </a:r>
+            <a:endParaRPr lang="en-US" dirty="0"/>
+          </a:p>
+        </p:txBody>
+      </p:sp>
+      <p:sp>
+        <p:nvSpPr>
+          <p:cNvPr id="3" name="Content Placeholder 2"/>
+          <p:cNvSpPr>
+            <a:spLocks noGrp="1"/>
+          </p:cNvSpPr>
+          <p:nvPr>
+            <p:ph idx="1"/>
+          </p:nvPr>
+        </p:nvSpPr>
+        <p:spPr/>
+        <p:txBody>
+          <a:bodyPr/>
+          <a:lstStyle/>
+          <a:p>
+            <a:r>
+              <a:rPr lang="en-US" dirty="0" err="1"/>
+              <a:t>Tóm</a:t>
+            </a:r>
+            <a:r>
+              <a:rPr lang="en-US" dirty="0"/>
+              <a:t> </a:t>
+            </a:r>
+            <a:r>
+              <a:rPr lang="en-US" dirty="0" err="1"/>
+              <a:t>tắt</a:t>
+            </a:r>
+            <a:r>
+              <a:rPr lang="en-US" dirty="0"/>
+              <a:t> </a:t>
+            </a:r>
+            <a:r>
+              <a:rPr lang="en-US" dirty="0" err="1"/>
+              <a:t>lại</a:t>
+            </a:r>
+            <a:r>
+              <a:rPr lang="en-US" dirty="0"/>
+              <a:t> </a:t>
+            </a:r>
+            <a:r>
+              <a:rPr lang="en-US" dirty="0" err="1"/>
+              <a:t>luận</a:t>
+            </a:r>
+            <a:r>
+              <a:rPr lang="en-US" dirty="0"/>
+              <a:t> </a:t>
+            </a:r>
+            <a:r>
+              <a:rPr lang="en-US" dirty="0" err="1"/>
+              <a:t>văn</a:t>
+            </a:r>
+            <a:endParaRPr lang="en-US" dirty="0"/>
+          </a:p>
+          <a:p>
+            <a:r>
+              <a:rPr lang="en-US" dirty="0" err="1"/>
+              <a:t>Đánh</a:t>
+            </a:r>
+            <a:r>
+              <a:rPr lang="en-US" dirty="0"/>
+              <a:t> </a:t>
+            </a:r>
+            <a:r>
+              <a:rPr lang="en-US" dirty="0" err="1"/>
+              <a:t>giá</a:t>
+            </a:r>
+            <a:r>
+              <a:rPr lang="en-US" dirty="0"/>
+              <a:t> </a:t>
+            </a:r>
+            <a:r>
+              <a:rPr lang="en-US" dirty="0" err="1"/>
+              <a:t>luận</a:t>
+            </a:r>
+            <a:r>
+              <a:rPr lang="en-US" dirty="0"/>
+              <a:t> </a:t>
+            </a:r>
+            <a:r>
+              <a:rPr lang="en-US" dirty="0" err="1"/>
+              <a:t>văn</a:t>
+            </a:r>
+            <a:r>
+              <a:rPr lang="en-US" dirty="0"/>
+              <a:t> </a:t>
+            </a:r>
+            <a:r>
+              <a:rPr lang="en-US" dirty="0" err="1"/>
+              <a:t>có</a:t>
+            </a:r>
+            <a:r>
+              <a:rPr lang="en-US" dirty="0"/>
+              <a:t> </a:t>
+            </a:r>
+            <a:r>
+              <a:rPr lang="en-US" dirty="0" err="1"/>
+              <a:t>đặt</a:t>
+            </a:r>
+            <a:r>
+              <a:rPr lang="en-US" dirty="0"/>
+              <a:t> </a:t>
+            </a:r>
+            <a:r>
+              <a:rPr lang="en-US" dirty="0" err="1"/>
+              <a:t>được</a:t>
+            </a:r>
+            <a:r>
+              <a:rPr lang="en-US" dirty="0"/>
+              <a:t> </a:t>
+            </a:r>
+            <a:r>
+              <a:rPr lang="en-US" dirty="0" err="1"/>
+              <a:t>mục</a:t>
+            </a:r>
+            <a:r>
+              <a:rPr lang="en-US" dirty="0"/>
+              <a:t> </a:t>
+            </a:r>
+            <a:r>
+              <a:rPr lang="en-US" dirty="0" err="1"/>
+              <a:t>tiêu</a:t>
+            </a:r>
+            <a:r>
+              <a:rPr lang="en-US" dirty="0"/>
+              <a:t> </a:t>
+            </a:r>
+            <a:r>
+              <a:rPr lang="en-US" dirty="0" err="1"/>
+              <a:t>đề</a:t>
+            </a:r>
+            <a:r>
+              <a:rPr lang="en-US" dirty="0"/>
+              <a:t> </a:t>
+            </a:r>
+            <a:r>
+              <a:rPr lang="en-US" dirty="0" err="1"/>
+              <a:t>ra</a:t>
+            </a:r>
+            <a:endParaRPr lang="en-US" dirty="0"/>
+          </a:p>
+          <a:p>
+            <a:r>
+              <a:rPr lang="en-US" dirty="0" err="1"/>
+              <a:t>Hướng</a:t>
+            </a:r>
+            <a:r>
+              <a:rPr lang="en-US" dirty="0"/>
+              <a:t> </a:t>
+            </a:r>
+            <a:r>
+              <a:rPr lang="en-US" dirty="0" err="1"/>
+              <a:t>phát</a:t>
+            </a:r>
+            <a:r>
+              <a:rPr lang="en-US" dirty="0"/>
+              <a:t> </a:t>
+            </a:r>
+            <a:r>
+              <a:rPr lang="en-US" dirty="0" err="1"/>
+              <a:t>triển</a:t>
+            </a:r>
+            <a:r>
+              <a:rPr lang="en-US" dirty="0"/>
+              <a:t> </a:t>
+            </a:r>
+            <a:r>
+              <a:rPr lang="en-US" dirty="0" err="1"/>
+              <a:t>của</a:t>
+            </a:r>
+            <a:r>
+              <a:rPr lang="en-US" dirty="0"/>
+              <a:t> </a:t>
+            </a:r>
+            <a:r>
+              <a:rPr lang="en-US" dirty="0" err="1"/>
+              <a:t>luận</a:t>
+            </a:r>
+            <a:r>
+              <a:rPr lang="en-US" dirty="0"/>
+              <a:t> </a:t>
+            </a:r>
+            <a:r>
+              <a:rPr lang="en-US" dirty="0" err="1"/>
+              <a:t>văn</a:t>
+            </a:r>
+            <a:r>
+              <a:rPr lang="en-US" dirty="0"/>
+              <a:t> (</a:t>
+            </a:r>
+            <a:r>
+              <a:rPr lang="en-US" dirty="0" err="1"/>
+              <a:t>hạn</a:t>
+            </a:r>
+            <a:r>
+              <a:rPr lang="en-US" dirty="0"/>
+              <a:t> </a:t>
+            </a:r>
+            <a:r>
+              <a:rPr lang="en-US" dirty="0" err="1"/>
+              <a:t>chế</a:t>
+            </a:r>
+            <a:r>
+              <a:rPr lang="en-US" dirty="0"/>
+              <a:t>)</a:t>
+            </a:r>
+          </a:p>
+        </p:txBody>
+      </p:sp>
+    </p:spTree>
+    <p:extLst>
+      <p:ext uri="{BB962C8B-B14F-4D97-AF65-F5344CB8AC3E}">
+        <p14:creationId xmlns:p14="http://schemas.microsoft.com/office/powerpoint/2010/main" val="1258814586"/>
+      </p:ext>
+    </p:extLst>
+  </p:cSld>
+  <p:clrMapOvr>
+    <a:masterClrMapping/>
+  </p:clrMapOvr>
+</p:sld>
+</file>
+
+<file path=ppt/slides/slide11.xml><?xml version="1.0" encoding="utf-8"?>
+<p:sld xmlns:a="http://schemas.openxmlformats.org/drawingml/2006/main" xmlns:r="http://schemas.openxmlformats.org/officeDocument/2006/relationships" xmlns:p="http://schemas.openxmlformats.org/presentationml/2006/main">
+  <p:cSld>
+    <p:spTree>
+      <p:nvGrpSpPr>
+        <p:cNvPr id="1" name=""/>
+        <p:cNvGrpSpPr/>
+        <p:nvPr/>
+      </p:nvGrpSpPr>
+      <p:grpSpPr>
+        <a:xfrm>
+          <a:off x="0" y="0"/>
+          <a:ext cx="0" cy="0"/>
+          <a:chOff x="0" y="0"/>
+          <a:chExt cx="0" cy="0"/>
+        </a:xfrm>
+      </p:grpSpPr>
+      <p:sp>
+        <p:nvSpPr>
+          <p:cNvPr id="2" name="Title 1"/>
+          <p:cNvSpPr>
+            <a:spLocks noGrp="1"/>
+          </p:cNvSpPr>
+          <p:nvPr>
+            <p:ph type="title"/>
+          </p:nvPr>
+        </p:nvSpPr>
+        <p:spPr/>
+        <p:txBody>
+          <a:bodyPr/>
+          <a:lstStyle/>
+          <a:p>
+            <a:r>
+              <a:rPr lang="en-US" dirty="0" err="1"/>
               <a:t>Phụ</a:t>
             </a:r>
             <a:r>
@@ -3246,7 +3516,7 @@
           <a:lstStyle/>
           <a:p>
             <a:r>
-              <a:rPr lang="is-IS" dirty="0" smtClean="0"/>
+              <a:rPr lang="is-IS" dirty="0"/>
               <a:t>…</a:t>
             </a:r>
             <a:endParaRPr lang="en-US" dirty="0"/>
@@ -3389,14 +3659,10 @@
             </a:r>
             <a:r>
               <a:rPr lang="en-US" dirty="0"/>
-              <a:t> </a:t>
-            </a:r>
-            <a:r>
-              <a:rPr lang="en-US" dirty="0" smtClean="0"/>
-              <a:t>2 </a:t>
-            </a:r>
-            <a:r>
-              <a:rPr lang="is-IS" dirty="0" smtClean="0"/>
+              <a:t> 2 </a:t>
+            </a:r>
+            <a:r>
+              <a:rPr lang="is-IS" dirty="0"/>
               <a:t>…</a:t>
             </a:r>
             <a:endParaRPr lang="en-US" dirty="0"/>
@@ -3408,14 +3674,10 @@
             </a:r>
             <a:r>
               <a:rPr lang="en-US" dirty="0"/>
-              <a:t> </a:t>
-            </a:r>
-            <a:r>
-              <a:rPr lang="en-US" dirty="0" smtClean="0"/>
-              <a:t>3 </a:t>
-            </a:r>
-            <a:r>
-              <a:rPr lang="is-IS" dirty="0" smtClean="0"/>
+              <a:t> 3 </a:t>
+            </a:r>
+            <a:r>
+              <a:rPr lang="is-IS" dirty="0"/>
               <a:t>…</a:t>
             </a:r>
             <a:endParaRPr lang="en-US" dirty="0"/>
@@ -3427,14 +3689,10 @@
             </a:r>
             <a:r>
               <a:rPr lang="en-US" dirty="0"/>
-              <a:t> </a:t>
-            </a:r>
-            <a:r>
-              <a:rPr lang="en-US" dirty="0" smtClean="0"/>
-              <a:t>4 </a:t>
-            </a:r>
-            <a:r>
-              <a:rPr lang="is-IS" dirty="0" smtClean="0"/>
+              <a:t> 4 </a:t>
+            </a:r>
+            <a:r>
+              <a:rPr lang="is-IS" dirty="0"/>
               <a:t>…</a:t>
             </a:r>
             <a:endParaRPr lang="en-US" dirty="0"/>
@@ -3446,14 +3704,10 @@
             </a:r>
             <a:r>
               <a:rPr lang="en-US" dirty="0"/>
-              <a:t> </a:t>
-            </a:r>
-            <a:r>
-              <a:rPr lang="en-US" dirty="0" smtClean="0"/>
-              <a:t>5 </a:t>
-            </a:r>
-            <a:r>
-              <a:rPr lang="is-IS" dirty="0" smtClean="0"/>
+              <a:t> 5 </a:t>
+            </a:r>
+            <a:r>
+              <a:rPr lang="is-IS" dirty="0"/>
               <a:t>…</a:t>
             </a:r>
             <a:endParaRPr lang="en-US" dirty="0"/>
@@ -4029,7 +4283,9 @@
         </p:nvSpPr>
         <p:spPr/>
         <p:txBody>
-          <a:bodyPr/>
+          <a:bodyPr>
+            <a:normAutofit fontScale="90000"/>
+          </a:bodyPr>
           <a:lstStyle/>
           <a:p>
             <a:r>
@@ -4038,15 +4294,91 @@
             </a:r>
             <a:r>
               <a:rPr lang="en-US" dirty="0"/>
-              <a:t> </a:t>
-            </a:r>
-            <a:r>
-              <a:rPr lang="en-US" dirty="0" smtClean="0"/>
-              <a:t>2 </a:t>
-            </a:r>
-            <a:r>
-              <a:rPr lang="is-IS" dirty="0" smtClean="0"/>
-              <a:t>…</a:t>
+              <a:t> 2 </a:t>
+            </a:r>
+            <a:r>
+              <a:rPr lang="en-US" dirty="0" err="1"/>
+              <a:t>Tổng</a:t>
+            </a:r>
+            <a:r>
+              <a:rPr lang="en-US" dirty="0"/>
+              <a:t> </a:t>
+            </a:r>
+            <a:r>
+              <a:rPr lang="en-US" dirty="0" err="1"/>
+              <a:t>quan</a:t>
+            </a:r>
+            <a:r>
+              <a:rPr lang="en-US" dirty="0"/>
+              <a:t> </a:t>
+            </a:r>
+            <a:r>
+              <a:rPr lang="en-US" dirty="0" err="1"/>
+              <a:t>về</a:t>
+            </a:r>
+            <a:r>
+              <a:rPr lang="en-US" dirty="0"/>
+              <a:t> </a:t>
+            </a:r>
+            <a:r>
+              <a:rPr lang="en-US" dirty="0" err="1"/>
+              <a:t>tín</a:t>
+            </a:r>
+            <a:r>
+              <a:rPr lang="en-US" dirty="0"/>
+              <a:t> </a:t>
+            </a:r>
+            <a:r>
+              <a:rPr lang="en-US" dirty="0" err="1"/>
+              <a:t>hiệu</a:t>
+            </a:r>
+            <a:r>
+              <a:rPr lang="en-US" dirty="0"/>
+              <a:t> </a:t>
+            </a:r>
+            <a:r>
+              <a:rPr lang="en-US" dirty="0" err="1"/>
+              <a:t>âm</a:t>
+            </a:r>
+            <a:r>
+              <a:rPr lang="en-US" dirty="0"/>
+              <a:t> thanh </a:t>
+            </a:r>
+            <a:r>
+              <a:rPr lang="en-US" dirty="0" err="1"/>
+              <a:t>tiếng</a:t>
+            </a:r>
+            <a:r>
+              <a:rPr lang="en-US" dirty="0"/>
+              <a:t> </a:t>
+            </a:r>
+            <a:r>
+              <a:rPr lang="en-US" dirty="0" err="1"/>
+              <a:t>nói</a:t>
+            </a:r>
+            <a:r>
+              <a:rPr lang="en-US" dirty="0"/>
+              <a:t>. Th</a:t>
+            </a:r>
+            <a:r>
+              <a:rPr lang="vi-VN" dirty="0"/>
+              <a:t>ư</a:t>
+            </a:r>
+            <a:r>
+              <a:rPr lang="en-US" dirty="0"/>
+              <a:t> </a:t>
+            </a:r>
+            <a:r>
+              <a:rPr lang="en-US" dirty="0" err="1"/>
+              <a:t>viện</a:t>
+            </a:r>
+            <a:r>
+              <a:rPr lang="en-US" dirty="0"/>
+              <a:t> </a:t>
+            </a:r>
+            <a:r>
+              <a:rPr lang="en-US" dirty="0" err="1"/>
+              <a:t>pyaudio</a:t>
             </a:r>
             <a:endParaRPr lang="en-US" dirty="0"/>
           </a:p>
@@ -4068,32 +4400,294 @@
           <a:lstStyle/>
           <a:p>
             <a:r>
-              <a:rPr lang="is-IS" dirty="0" smtClean="0"/>
-              <a:t>…</a:t>
-            </a:r>
-            <a:endParaRPr lang="en-US" dirty="0"/>
-          </a:p>
-          <a:p>
-            <a:r>
-              <a:rPr lang="is-IS" dirty="0" smtClean="0"/>
-              <a:t>…</a:t>
+              <a:rPr lang="en-US" dirty="0" err="1"/>
+              <a:t>Tổng</a:t>
+            </a:r>
+            <a:r>
+              <a:rPr lang="en-US" dirty="0"/>
+              <a:t> </a:t>
+            </a:r>
+            <a:r>
+              <a:rPr lang="en-US" dirty="0" err="1"/>
+              <a:t>quan</a:t>
+            </a:r>
+            <a:endParaRPr lang="en-US" dirty="0"/>
+          </a:p>
+          <a:p>
+            <a:r>
+              <a:rPr lang="en-US" dirty="0" err="1"/>
+              <a:t>Các</a:t>
+            </a:r>
+            <a:r>
+              <a:rPr lang="en-US" dirty="0"/>
+              <a:t> </a:t>
+            </a:r>
+            <a:r>
+              <a:rPr lang="en-US" dirty="0" err="1"/>
+              <a:t>thành</a:t>
+            </a:r>
+            <a:r>
+              <a:rPr lang="en-US" dirty="0"/>
+              <a:t> </a:t>
+            </a:r>
+            <a:r>
+              <a:rPr lang="en-US" dirty="0" err="1"/>
+              <a:t>phần</a:t>
+            </a:r>
+            <a:r>
+              <a:rPr lang="en-US" dirty="0"/>
+              <a:t> </a:t>
+            </a:r>
+            <a:r>
+              <a:rPr lang="en-US" dirty="0" err="1"/>
+              <a:t>của</a:t>
+            </a:r>
+            <a:r>
+              <a:rPr lang="en-US" dirty="0"/>
+              <a:t> </a:t>
+            </a:r>
+            <a:r>
+              <a:rPr lang="en-US" dirty="0" err="1"/>
+              <a:t>âm</a:t>
+            </a:r>
+            <a:r>
+              <a:rPr lang="en-US" dirty="0"/>
+              <a:t> thanh</a:t>
+            </a:r>
+          </a:p>
+          <a:p>
+            <a:r>
+              <a:rPr lang="is-IS" dirty="0"/>
+              <a:t>Cách l</a:t>
+            </a:r>
+            <a:r>
+              <a:rPr lang="vi-VN" dirty="0"/>
+              <a:t>ư</a:t>
+            </a:r>
+            <a:r>
+              <a:rPr lang="en-US" dirty="0"/>
+              <a:t>u </a:t>
+            </a:r>
+            <a:r>
+              <a:rPr lang="en-US" dirty="0" err="1"/>
+              <a:t>trữ</a:t>
+            </a:r>
+            <a:r>
+              <a:rPr lang="en-US" dirty="0"/>
+              <a:t> </a:t>
+            </a:r>
+            <a:r>
+              <a:rPr lang="en-US" dirty="0" err="1"/>
+              <a:t>âm</a:t>
+            </a:r>
+            <a:r>
+              <a:rPr lang="en-US" dirty="0"/>
+              <a:t> thanh </a:t>
+            </a:r>
+            <a:r>
+              <a:rPr lang="en-US" dirty="0" err="1"/>
+              <a:t>trong</a:t>
+            </a:r>
+            <a:r>
+              <a:rPr lang="en-US" dirty="0"/>
+              <a:t> </a:t>
+            </a:r>
+            <a:r>
+              <a:rPr lang="en-US" dirty="0" err="1"/>
+              <a:t>máy</a:t>
+            </a:r>
+            <a:r>
+              <a:rPr lang="en-US" dirty="0"/>
+              <a:t> </a:t>
+            </a:r>
+            <a:r>
+              <a:rPr lang="en-US" dirty="0" err="1"/>
+              <a:t>tính</a:t>
+            </a:r>
+            <a:endParaRPr lang="en-US" dirty="0"/>
+          </a:p>
+          <a:p>
+            <a:r>
+              <a:rPr lang="en-US" dirty="0" err="1"/>
+              <a:t>Các</a:t>
+            </a:r>
+            <a:r>
+              <a:rPr lang="en-US" dirty="0"/>
+              <a:t> </a:t>
+            </a:r>
+            <a:r>
+              <a:rPr lang="en-US" dirty="0" err="1"/>
+              <a:t>thông</a:t>
+            </a:r>
+            <a:r>
+              <a:rPr lang="en-US" dirty="0"/>
+              <a:t> </a:t>
+            </a:r>
+            <a:r>
+              <a:rPr lang="en-US" dirty="0" err="1"/>
+              <a:t>số</a:t>
+            </a:r>
+            <a:r>
+              <a:rPr lang="en-US" dirty="0"/>
+              <a:t> </a:t>
+            </a:r>
+            <a:r>
+              <a:rPr lang="en-US" dirty="0" err="1"/>
+              <a:t>của</a:t>
+            </a:r>
+            <a:r>
+              <a:rPr lang="en-US" dirty="0"/>
+              <a:t> file </a:t>
+            </a:r>
+            <a:r>
+              <a:rPr lang="en-US" dirty="0" err="1"/>
+              <a:t>âm</a:t>
+            </a:r>
+            <a:r>
+              <a:rPr lang="en-US" dirty="0"/>
+              <a:t> thanh</a:t>
+            </a:r>
+          </a:p>
+          <a:p>
+            <a:r>
+              <a:rPr lang="en-US" dirty="0" err="1"/>
+              <a:t>Giới</a:t>
+            </a:r>
+            <a:r>
+              <a:rPr lang="en-US" dirty="0"/>
+              <a:t> </a:t>
+            </a:r>
+            <a:r>
+              <a:rPr lang="en-US" dirty="0" err="1"/>
+              <a:t>thiệu</a:t>
+            </a:r>
+            <a:r>
+              <a:rPr lang="en-US" dirty="0"/>
+              <a:t> </a:t>
+            </a:r>
+            <a:r>
+              <a:rPr lang="en-US" dirty="0" err="1"/>
+              <a:t>th</a:t>
+            </a:r>
+            <a:r>
+              <a:rPr lang="vi-VN" dirty="0"/>
+              <a:t>ư</a:t>
+            </a:r>
+            <a:r>
+              <a:rPr lang="en-US" dirty="0"/>
+              <a:t> </a:t>
+            </a:r>
+            <a:r>
+              <a:rPr lang="en-US" dirty="0" err="1"/>
+              <a:t>viện</a:t>
+            </a:r>
+            <a:r>
+              <a:rPr lang="en-US" dirty="0"/>
+              <a:t> </a:t>
+            </a:r>
+            <a:r>
+              <a:rPr lang="en-US" dirty="0" err="1"/>
+              <a:t>pyaudio</a:t>
             </a:r>
             <a:endParaRPr lang="en-US" dirty="0"/>
           </a:p>
           <a:p>
             <a:pPr lvl="1"/>
             <a:r>
-              <a:rPr lang="is-IS" dirty="0" smtClean="0"/>
-              <a:t>…</a:t>
-            </a:r>
-            <a:endParaRPr lang="en-US" dirty="0"/>
+              <a:rPr lang="is-IS" dirty="0"/>
+              <a:t>Ch</a:t>
+            </a:r>
+            <a:r>
+              <a:rPr lang="en-US" dirty="0" err="1"/>
+              <a:t>ức</a:t>
+            </a:r>
+            <a:r>
+              <a:rPr lang="en-US" dirty="0"/>
+              <a:t> </a:t>
+            </a:r>
+            <a:r>
+              <a:rPr lang="en-US" dirty="0" err="1"/>
+              <a:t>năng</a:t>
+            </a:r>
+            <a:r>
+              <a:rPr lang="en-US" dirty="0"/>
+              <a:t>.</a:t>
+            </a:r>
           </a:p>
           <a:p>
             <a:pPr lvl="1"/>
             <a:r>
-              <a:rPr lang="is-IS" dirty="0" smtClean="0"/>
-              <a:t>…</a:t>
-            </a:r>
+              <a:rPr lang="en-US" dirty="0" err="1"/>
+              <a:t>Cách</a:t>
+            </a:r>
+            <a:r>
+              <a:rPr lang="en-US" dirty="0"/>
+              <a:t> </a:t>
+            </a:r>
+            <a:r>
+              <a:rPr lang="en-US" dirty="0" err="1"/>
+              <a:t>cài</a:t>
+            </a:r>
+            <a:r>
+              <a:rPr lang="en-US" dirty="0"/>
+              <a:t> </a:t>
+            </a:r>
+            <a:r>
+              <a:rPr lang="en-US" dirty="0" err="1"/>
+              <a:t>đặt</a:t>
+            </a:r>
+            <a:endParaRPr lang="en-US" dirty="0"/>
+          </a:p>
+          <a:p>
+            <a:pPr lvl="1"/>
+            <a:r>
+              <a:rPr lang="en-US" dirty="0" err="1"/>
+              <a:t>Cách</a:t>
+            </a:r>
+            <a:r>
+              <a:rPr lang="en-US" dirty="0"/>
+              <a:t> </a:t>
+            </a:r>
+            <a:r>
+              <a:rPr lang="en-US" dirty="0" err="1"/>
+              <a:t>sử</a:t>
+            </a:r>
+            <a:r>
+              <a:rPr lang="en-US" dirty="0"/>
+              <a:t> </a:t>
+            </a:r>
+            <a:r>
+              <a:rPr lang="en-US" dirty="0" err="1"/>
+              <a:t>dụng</a:t>
+            </a:r>
+            <a:endParaRPr lang="en-US" dirty="0"/>
+          </a:p>
+          <a:p>
+            <a:pPr lvl="1"/>
+            <a:r>
+              <a:rPr lang="en-US" dirty="0" err="1"/>
+              <a:t>Các</a:t>
+            </a:r>
+            <a:r>
+              <a:rPr lang="en-US" dirty="0"/>
+              <a:t> </a:t>
+            </a:r>
+            <a:r>
+              <a:rPr lang="en-US" dirty="0" err="1"/>
+              <a:t>thông</a:t>
+            </a:r>
+            <a:r>
+              <a:rPr lang="en-US" dirty="0"/>
+              <a:t> </a:t>
+            </a:r>
+            <a:r>
+              <a:rPr lang="en-US" dirty="0" err="1"/>
+              <a:t>số</a:t>
+            </a:r>
+            <a:endParaRPr lang="en-US" dirty="0"/>
+          </a:p>
+          <a:p>
+            <a:pPr lvl="1"/>
             <a:endParaRPr lang="en-US" dirty="0"/>
           </a:p>
           <a:p>
@@ -4152,17 +4746,32 @@
             </a:r>
             <a:r>
               <a:rPr lang="en-US" dirty="0"/>
-              <a:t> </a:t>
-            </a:r>
-            <a:r>
-              <a:rPr lang="en-US" dirty="0" smtClean="0"/>
-              <a:t>3 </a:t>
-            </a:r>
-            <a:r>
-              <a:rPr lang="is-IS" dirty="0" smtClean="0"/>
-              <a:t>…</a:t>
-            </a:r>
-            <a:endParaRPr lang="en-US" dirty="0"/>
+              <a:t> 3 Speech to text. Th</a:t>
+            </a:r>
+            <a:r>
+              <a:rPr lang="vi-VN" dirty="0"/>
+              <a:t>ư</a:t>
+            </a:r>
+            <a:r>
+              <a:rPr lang="en-US" dirty="0"/>
+              <a:t> </a:t>
+            </a:r>
+            <a:r>
+              <a:rPr lang="en-US" dirty="0" err="1"/>
+              <a:t>viện</a:t>
+            </a:r>
+            <a:r>
+              <a:rPr lang="en-US" dirty="0"/>
+              <a:t> </a:t>
+            </a:r>
+            <a:r>
+              <a:rPr lang="en-US" dirty="0" err="1"/>
+              <a:t>pocketspinx</a:t>
+            </a:r>
+            <a:r>
+              <a:rPr lang="en-US" dirty="0"/>
+              <a:t>, google TTS</a:t>
+            </a:r>
           </a:p>
         </p:txBody>
       </p:sp>
@@ -4178,9 +4787,333 @@
         </p:nvSpPr>
         <p:spPr/>
         <p:txBody>
-          <a:bodyPr/>
-          <a:lstStyle/>
-          <a:p>
+          <a:bodyPr>
+            <a:normAutofit lnSpcReduction="10000"/>
+          </a:bodyPr>
+          <a:lstStyle/>
+          <a:p>
+            <a:r>
+              <a:rPr lang="en-US" dirty="0" err="1"/>
+              <a:t>Tổng</a:t>
+            </a:r>
+            <a:r>
+              <a:rPr lang="en-US" dirty="0"/>
+              <a:t> </a:t>
+            </a:r>
+            <a:r>
+              <a:rPr lang="en-US" dirty="0" err="1"/>
+              <a:t>quan</a:t>
+            </a:r>
+            <a:endParaRPr lang="en-US" dirty="0"/>
+          </a:p>
+          <a:p>
+            <a:r>
+              <a:rPr lang="en-US" dirty="0" err="1"/>
+              <a:t>Các</a:t>
+            </a:r>
+            <a:r>
+              <a:rPr lang="en-US" dirty="0"/>
+              <a:t> </a:t>
+            </a:r>
+            <a:r>
+              <a:rPr lang="en-US" dirty="0" err="1"/>
+              <a:t>vẫn</a:t>
+            </a:r>
+            <a:r>
+              <a:rPr lang="en-US" dirty="0"/>
+              <a:t> </a:t>
+            </a:r>
+            <a:r>
+              <a:rPr lang="en-US" dirty="0" err="1"/>
+              <a:t>đề</a:t>
+            </a:r>
+            <a:r>
+              <a:rPr lang="en-US" dirty="0"/>
+              <a:t> </a:t>
+            </a:r>
+            <a:r>
+              <a:rPr lang="en-US" dirty="0" err="1"/>
+              <a:t>th</a:t>
+            </a:r>
+            <a:r>
+              <a:rPr lang="vi-VN" dirty="0"/>
+              <a:t>ư</a:t>
+            </a:r>
+            <a:r>
+              <a:rPr lang="en-US" dirty="0" err="1"/>
+              <a:t>ờng</a:t>
+            </a:r>
+            <a:r>
+              <a:rPr lang="en-US" dirty="0"/>
+              <a:t> </a:t>
+            </a:r>
+            <a:r>
+              <a:rPr lang="en-US" dirty="0" err="1"/>
+              <a:t>gặp</a:t>
+            </a:r>
+            <a:endParaRPr lang="en-US" dirty="0"/>
+          </a:p>
+          <a:p>
+            <a:r>
+              <a:rPr lang="en-US" dirty="0" err="1"/>
+              <a:t>Giới</a:t>
+            </a:r>
+            <a:r>
+              <a:rPr lang="en-US" dirty="0"/>
+              <a:t> </a:t>
+            </a:r>
+            <a:r>
+              <a:rPr lang="en-US" dirty="0" err="1"/>
+              <a:t>thiệu</a:t>
+            </a:r>
+            <a:r>
+              <a:rPr lang="en-US" dirty="0"/>
+              <a:t> </a:t>
+            </a:r>
+            <a:r>
+              <a:rPr lang="en-US" dirty="0" err="1"/>
+              <a:t>pocketsphinx</a:t>
+            </a:r>
+            <a:endParaRPr lang="en-US" dirty="0"/>
+          </a:p>
+          <a:p>
+            <a:pPr lvl="1"/>
+            <a:r>
+              <a:rPr lang="en-US" dirty="0" err="1"/>
+              <a:t>Chức</a:t>
+            </a:r>
+            <a:r>
+              <a:rPr lang="en-US" dirty="0"/>
+              <a:t> </a:t>
+            </a:r>
+            <a:r>
+              <a:rPr lang="en-US" dirty="0" err="1"/>
+              <a:t>năng</a:t>
+            </a:r>
+            <a:endParaRPr lang="en-US" dirty="0"/>
+          </a:p>
+          <a:p>
+            <a:pPr lvl="1"/>
+            <a:r>
+              <a:rPr lang="en-US" dirty="0" err="1"/>
+              <a:t>Cách</a:t>
+            </a:r>
+            <a:r>
+              <a:rPr lang="en-US" dirty="0"/>
+              <a:t> </a:t>
+            </a:r>
+            <a:r>
+              <a:rPr lang="en-US" dirty="0" err="1"/>
+              <a:t>cài</a:t>
+            </a:r>
+            <a:r>
+              <a:rPr lang="en-US" dirty="0"/>
+              <a:t> </a:t>
+            </a:r>
+            <a:r>
+              <a:rPr lang="en-US" dirty="0" err="1"/>
+              <a:t>đặt</a:t>
+            </a:r>
+            <a:endParaRPr lang="en-US" dirty="0"/>
+          </a:p>
+          <a:p>
+            <a:pPr lvl="1"/>
+            <a:r>
+              <a:rPr lang="en-US" dirty="0" err="1"/>
+              <a:t>Mô</a:t>
+            </a:r>
+            <a:r>
+              <a:rPr lang="en-US" dirty="0"/>
+              <a:t> </a:t>
+            </a:r>
+            <a:r>
+              <a:rPr lang="en-US" dirty="0" err="1"/>
+              <a:t>hình</a:t>
+            </a:r>
+            <a:r>
+              <a:rPr lang="en-US" dirty="0"/>
+              <a:t> </a:t>
+            </a:r>
+            <a:r>
+              <a:rPr lang="en-US" dirty="0" err="1"/>
+              <a:t>hoạt</a:t>
+            </a:r>
+            <a:r>
+              <a:rPr lang="en-US" dirty="0"/>
+              <a:t> </a:t>
+            </a:r>
+            <a:r>
+              <a:rPr lang="en-US" dirty="0" err="1"/>
+              <a:t>động</a:t>
+            </a:r>
+            <a:endParaRPr lang="en-US" dirty="0"/>
+          </a:p>
+          <a:p>
+            <a:pPr lvl="1"/>
+            <a:r>
+              <a:rPr lang="en-US" dirty="0" err="1"/>
+              <a:t>Điểm</a:t>
+            </a:r>
+            <a:r>
+              <a:rPr lang="en-US" dirty="0"/>
+              <a:t> </a:t>
+            </a:r>
+            <a:r>
+              <a:rPr lang="en-US" dirty="0" err="1"/>
+              <a:t>mạnh</a:t>
+            </a:r>
+            <a:r>
+              <a:rPr lang="en-US" dirty="0"/>
+              <a:t> </a:t>
+            </a:r>
+            <a:r>
+              <a:rPr lang="en-US" dirty="0" err="1"/>
+              <a:t>yếu</a:t>
+            </a:r>
+            <a:endParaRPr lang="en-US" dirty="0"/>
+          </a:p>
+          <a:p>
+            <a:pPr lvl="1"/>
+            <a:r>
+              <a:rPr lang="en-US" dirty="0" err="1"/>
+              <a:t>Cách</a:t>
+            </a:r>
+            <a:r>
+              <a:rPr lang="en-US" dirty="0"/>
+              <a:t> </a:t>
+            </a:r>
+            <a:r>
+              <a:rPr lang="en-US" dirty="0" err="1"/>
+              <a:t>ứng</a:t>
+            </a:r>
+            <a:r>
+              <a:rPr lang="en-US" dirty="0"/>
+              <a:t> </a:t>
+            </a:r>
+            <a:r>
+              <a:rPr lang="en-US" dirty="0" err="1"/>
+              <a:t>dụng</a:t>
+            </a:r>
+            <a:r>
+              <a:rPr lang="en-US" dirty="0"/>
+              <a:t> </a:t>
+            </a:r>
+            <a:r>
+              <a:rPr lang="en-US" dirty="0" err="1"/>
+              <a:t>vào</a:t>
+            </a:r>
+            <a:r>
+              <a:rPr lang="en-US" dirty="0"/>
+              <a:t> </a:t>
+            </a:r>
+            <a:r>
+              <a:rPr lang="en-US" dirty="0" err="1"/>
+              <a:t>đồ</a:t>
+            </a:r>
+            <a:r>
+              <a:rPr lang="en-US" dirty="0"/>
+              <a:t> </a:t>
+            </a:r>
+            <a:r>
+              <a:rPr lang="en-US" dirty="0" err="1"/>
+              <a:t>án</a:t>
+            </a:r>
+            <a:r>
+              <a:rPr lang="en-US" dirty="0"/>
+              <a:t>, </a:t>
+            </a:r>
+            <a:r>
+              <a:rPr lang="en-US" dirty="0" err="1"/>
+              <a:t>vai</a:t>
+            </a:r>
+            <a:r>
+              <a:rPr lang="en-US" dirty="0"/>
+              <a:t> </a:t>
+            </a:r>
+            <a:r>
+              <a:rPr lang="en-US" dirty="0" err="1"/>
+              <a:t>trò</a:t>
+            </a:r>
+            <a:r>
+              <a:rPr lang="en-US" dirty="0"/>
+              <a:t> </a:t>
+            </a:r>
+            <a:r>
+              <a:rPr lang="en-US" dirty="0" err="1"/>
+              <a:t>trong</a:t>
+            </a:r>
+            <a:r>
+              <a:rPr lang="en-US" dirty="0"/>
+              <a:t> </a:t>
+            </a:r>
+            <a:r>
+              <a:rPr lang="en-US" dirty="0" err="1"/>
+              <a:t>hệ</a:t>
+            </a:r>
+            <a:r>
+              <a:rPr lang="en-US" dirty="0"/>
+              <a:t> </a:t>
+            </a:r>
+            <a:r>
+              <a:rPr lang="en-US" dirty="0" err="1"/>
+              <a:t>thống</a:t>
+            </a:r>
+            <a:endParaRPr lang="en-US" dirty="0"/>
+          </a:p>
+          <a:p>
+            <a:r>
+              <a:rPr lang="en-US" dirty="0" err="1"/>
+              <a:t>Giới</a:t>
+            </a:r>
+            <a:r>
+              <a:rPr lang="en-US" dirty="0"/>
+              <a:t> </a:t>
+            </a:r>
+            <a:r>
+              <a:rPr lang="en-US" dirty="0" err="1"/>
+              <a:t>thiệu</a:t>
+            </a:r>
+            <a:r>
+              <a:rPr lang="en-US" dirty="0"/>
+              <a:t> google TTS</a:t>
+            </a:r>
+          </a:p>
+          <a:p>
+            <a:pPr lvl="1"/>
+            <a:r>
+              <a:rPr lang="en-US" dirty="0"/>
+              <a:t>T</a:t>
+            </a:r>
+            <a:r>
+              <a:rPr lang="vi-VN" dirty="0"/>
+              <a:t>ư</a:t>
+            </a:r>
+            <a:r>
+              <a:rPr lang="en-US" dirty="0" err="1"/>
+              <a:t>ơng</a:t>
+            </a:r>
+            <a:r>
+              <a:rPr lang="en-US" dirty="0"/>
+              <a:t> </a:t>
+            </a:r>
+            <a:r>
+              <a:rPr lang="en-US" dirty="0" err="1"/>
+              <a:t>tự</a:t>
+            </a:r>
+            <a:r>
+              <a:rPr lang="en-US" dirty="0"/>
+              <a:t> </a:t>
+            </a:r>
+            <a:r>
+              <a:rPr lang="en-US" dirty="0" err="1"/>
+              <a:t>pocketsphinx</a:t>
+            </a:r>
+            <a:endParaRPr lang="en-US" dirty="0"/>
+          </a:p>
+          <a:p>
+            <a:pPr marL="457200" lvl="1" indent="0">
+              <a:buNone/>
+            </a:pPr>
             <a:endParaRPr lang="en-US" dirty="0"/>
           </a:p>
         </p:txBody>
@@ -4239,8 +5172,8 @@
               <a:t> 4 </a:t>
             </a:r>
             <a:r>
-              <a:rPr lang="is-IS" dirty="0" smtClean="0"/>
-              <a:t>…</a:t>
+              <a:rPr lang="is-IS" dirty="0"/>
+              <a:t>Text to speech. Google TTS, iSPeech</a:t>
             </a:r>
             <a:endParaRPr lang="en-US" dirty="0"/>
           </a:p>
@@ -4261,6 +5194,275 @@
           <a:bodyPr/>
           <a:lstStyle/>
           <a:p>
+            <a:r>
+              <a:rPr lang="en-US" dirty="0" err="1"/>
+              <a:t>Tổng</a:t>
+            </a:r>
+            <a:r>
+              <a:rPr lang="en-US" dirty="0"/>
+              <a:t> </a:t>
+            </a:r>
+            <a:r>
+              <a:rPr lang="en-US" dirty="0" err="1"/>
+              <a:t>quan</a:t>
+            </a:r>
+            <a:endParaRPr lang="en-US" dirty="0"/>
+          </a:p>
+          <a:p>
+            <a:r>
+              <a:rPr lang="en-US" dirty="0" err="1"/>
+              <a:t>Các</a:t>
+            </a:r>
+            <a:r>
+              <a:rPr lang="en-US" dirty="0"/>
+              <a:t> </a:t>
+            </a:r>
+            <a:r>
+              <a:rPr lang="en-US" dirty="0" err="1"/>
+              <a:t>vấn</a:t>
+            </a:r>
+            <a:r>
+              <a:rPr lang="en-US" dirty="0"/>
+              <a:t> </a:t>
+            </a:r>
+            <a:r>
+              <a:rPr lang="en-US" dirty="0" err="1"/>
+              <a:t>đề</a:t>
+            </a:r>
+            <a:r>
+              <a:rPr lang="en-US" dirty="0"/>
+              <a:t> </a:t>
+            </a:r>
+            <a:r>
+              <a:rPr lang="en-US" dirty="0" err="1"/>
+              <a:t>th</a:t>
+            </a:r>
+            <a:r>
+              <a:rPr lang="vi-VN" dirty="0"/>
+              <a:t>ư</a:t>
+            </a:r>
+            <a:r>
+              <a:rPr lang="en-US" dirty="0" err="1"/>
+              <a:t>ờng</a:t>
+            </a:r>
+            <a:r>
+              <a:rPr lang="en-US" dirty="0"/>
+              <a:t> </a:t>
+            </a:r>
+            <a:r>
+              <a:rPr lang="en-US" dirty="0" err="1"/>
+              <a:t>gặp</a:t>
+            </a:r>
+            <a:endParaRPr lang="en-US" dirty="0"/>
+          </a:p>
+          <a:p>
+            <a:r>
+              <a:rPr lang="en-US" dirty="0" err="1"/>
+              <a:t>Giới</a:t>
+            </a:r>
+            <a:r>
+              <a:rPr lang="en-US" dirty="0"/>
+              <a:t> </a:t>
+            </a:r>
+            <a:r>
+              <a:rPr lang="en-US" dirty="0" err="1"/>
+              <a:t>thiệu</a:t>
+            </a:r>
+            <a:r>
+              <a:rPr lang="en-US" dirty="0"/>
+              <a:t> google TTS, </a:t>
+            </a:r>
+            <a:r>
+              <a:rPr lang="en-US" dirty="0" err="1"/>
+              <a:t>iSpeech</a:t>
+            </a:r>
+            <a:r>
+              <a:rPr lang="en-US" dirty="0"/>
+              <a:t>:</a:t>
+            </a:r>
+          </a:p>
+          <a:p>
+            <a:pPr lvl="1"/>
+            <a:r>
+              <a:rPr lang="en-US" dirty="0" err="1"/>
+              <a:t>Cách</a:t>
+            </a:r>
+            <a:r>
+              <a:rPr lang="en-US" dirty="0"/>
+              <a:t> </a:t>
+            </a:r>
+            <a:r>
+              <a:rPr lang="en-US" dirty="0" err="1"/>
+              <a:t>cài</a:t>
+            </a:r>
+            <a:r>
+              <a:rPr lang="en-US" dirty="0"/>
+              <a:t> </a:t>
+            </a:r>
+            <a:r>
+              <a:rPr lang="en-US" dirty="0" err="1"/>
+              <a:t>đặt</a:t>
+            </a:r>
+            <a:r>
+              <a:rPr lang="en-US" dirty="0"/>
+              <a:t>, </a:t>
+            </a:r>
+            <a:r>
+              <a:rPr lang="en-US" dirty="0" err="1"/>
+              <a:t>sử</a:t>
+            </a:r>
+            <a:r>
+              <a:rPr lang="en-US" dirty="0"/>
+              <a:t> </a:t>
+            </a:r>
+            <a:r>
+              <a:rPr lang="en-US" dirty="0" err="1"/>
+              <a:t>dụng</a:t>
+            </a:r>
+            <a:endParaRPr lang="en-US" dirty="0"/>
+          </a:p>
+          <a:p>
+            <a:pPr lvl="1"/>
+            <a:r>
+              <a:rPr lang="en-US" dirty="0" err="1"/>
+              <a:t>Điểm</a:t>
+            </a:r>
+            <a:r>
+              <a:rPr lang="en-US" dirty="0"/>
+              <a:t> </a:t>
+            </a:r>
+            <a:r>
+              <a:rPr lang="en-US" dirty="0" err="1"/>
+              <a:t>mạnh</a:t>
+            </a:r>
+            <a:r>
+              <a:rPr lang="en-US" dirty="0"/>
+              <a:t>, </a:t>
+            </a:r>
+            <a:r>
+              <a:rPr lang="en-US" dirty="0" err="1"/>
+              <a:t>yếu</a:t>
+            </a:r>
+            <a:endParaRPr lang="en-US" dirty="0"/>
+          </a:p>
+          <a:p>
+            <a:pPr lvl="1"/>
+            <a:r>
+              <a:rPr lang="en-US" dirty="0" err="1"/>
+              <a:t>Mô</a:t>
+            </a:r>
+            <a:r>
+              <a:rPr lang="en-US" dirty="0"/>
+              <a:t> </a:t>
+            </a:r>
+            <a:r>
+              <a:rPr lang="en-US" dirty="0" err="1"/>
+              <a:t>hình</a:t>
+            </a:r>
+            <a:r>
+              <a:rPr lang="en-US" dirty="0"/>
+              <a:t> </a:t>
+            </a:r>
+            <a:r>
+              <a:rPr lang="en-US" dirty="0" err="1"/>
+              <a:t>hoạt</a:t>
+            </a:r>
+            <a:r>
+              <a:rPr lang="en-US" dirty="0"/>
+              <a:t> </a:t>
+            </a:r>
+            <a:r>
+              <a:rPr lang="en-US" dirty="0" err="1"/>
+              <a:t>động</a:t>
+            </a:r>
+            <a:endParaRPr lang="en-US" dirty="0"/>
+          </a:p>
+          <a:p>
+            <a:pPr lvl="1"/>
+            <a:r>
+              <a:rPr lang="en-US" dirty="0" err="1"/>
+              <a:t>Cách</a:t>
+            </a:r>
+            <a:r>
+              <a:rPr lang="en-US" dirty="0"/>
+              <a:t> </a:t>
+            </a:r>
+            <a:r>
+              <a:rPr lang="en-US" dirty="0" err="1"/>
+              <a:t>ứng</a:t>
+            </a:r>
+            <a:r>
+              <a:rPr lang="en-US" dirty="0"/>
+              <a:t> </a:t>
+            </a:r>
+            <a:r>
+              <a:rPr lang="en-US" dirty="0" err="1"/>
+              <a:t>dụng</a:t>
+            </a:r>
+            <a:r>
+              <a:rPr lang="en-US" dirty="0"/>
+              <a:t> </a:t>
+            </a:r>
+            <a:r>
+              <a:rPr lang="en-US" dirty="0" err="1"/>
+              <a:t>vào</a:t>
+            </a:r>
+            <a:r>
+              <a:rPr lang="en-US" dirty="0"/>
+              <a:t> </a:t>
+            </a:r>
+            <a:r>
+              <a:rPr lang="en-US" dirty="0" err="1"/>
+              <a:t>đồ</a:t>
+            </a:r>
+            <a:r>
+              <a:rPr lang="en-US" dirty="0"/>
+              <a:t> </a:t>
+            </a:r>
+            <a:r>
+              <a:rPr lang="en-US" dirty="0" err="1"/>
+              <a:t>án</a:t>
+            </a:r>
+            <a:r>
+              <a:rPr lang="en-US" dirty="0"/>
+              <a:t>, </a:t>
+            </a:r>
+            <a:r>
+              <a:rPr lang="en-US" dirty="0" err="1"/>
+              <a:t>vai</a:t>
+            </a:r>
+            <a:r>
+              <a:rPr lang="en-US" dirty="0"/>
+              <a:t> </a:t>
+            </a:r>
+            <a:r>
+              <a:rPr lang="en-US" dirty="0" err="1"/>
+              <a:t>trò</a:t>
+            </a:r>
+            <a:r>
+              <a:rPr lang="en-US" dirty="0"/>
+              <a:t> </a:t>
+            </a:r>
+            <a:r>
+              <a:rPr lang="en-US" dirty="0" err="1"/>
+              <a:t>trong</a:t>
+            </a:r>
+            <a:r>
+              <a:rPr lang="en-US" dirty="0"/>
+              <a:t> </a:t>
+            </a:r>
+            <a:r>
+              <a:rPr lang="en-US" dirty="0" err="1"/>
+              <a:t>hệ</a:t>
+            </a:r>
+            <a:r>
+              <a:rPr lang="en-US" dirty="0"/>
+              <a:t> </a:t>
+            </a:r>
+            <a:r>
+              <a:rPr lang="en-US" dirty="0" err="1"/>
+              <a:t>thống</a:t>
+            </a:r>
             <a:endParaRPr lang="en-US" dirty="0"/>
           </a:p>
         </p:txBody>
@@ -4316,13 +5518,9 @@
             </a:r>
             <a:r>
               <a:rPr lang="en-US" dirty="0"/>
-              <a:t> 5 </a:t>
-            </a:r>
-            <a:r>
-              <a:rPr lang="is-IS" dirty="0" smtClean="0"/>
-              <a:t>…</a:t>
-            </a:r>
-            <a:endParaRPr lang="en-US" dirty="0"/>
+              <a:t> 5 Intent classification</a:t>
+            </a:r>
+            <a:endParaRPr lang="en-US" i="1" dirty="0"/>
           </a:p>
         </p:txBody>
       </p:sp>
@@ -4340,6 +5538,318 @@
         <p:txBody>
           <a:bodyPr/>
           <a:lstStyle/>
+          <a:p>
+            <a:r>
+              <a:rPr lang="en-US" dirty="0" err="1"/>
+              <a:t>Tổng</a:t>
+            </a:r>
+            <a:r>
+              <a:rPr lang="en-US" dirty="0"/>
+              <a:t> </a:t>
+            </a:r>
+            <a:r>
+              <a:rPr lang="en-US" dirty="0" err="1"/>
+              <a:t>quan</a:t>
+            </a:r>
+            <a:endParaRPr lang="en-US" dirty="0"/>
+          </a:p>
+          <a:p>
+            <a:r>
+              <a:rPr lang="en-US" dirty="0" err="1"/>
+              <a:t>Giới</a:t>
+            </a:r>
+            <a:r>
+              <a:rPr lang="en-US" dirty="0"/>
+              <a:t> </a:t>
+            </a:r>
+            <a:r>
+              <a:rPr lang="en-US" dirty="0" err="1"/>
+              <a:t>thiệu</a:t>
+            </a:r>
+            <a:r>
+              <a:rPr lang="en-US" dirty="0"/>
+              <a:t> </a:t>
+            </a:r>
+            <a:r>
+              <a:rPr lang="en-US" dirty="0" err="1"/>
+              <a:t>các</a:t>
+            </a:r>
+            <a:r>
+              <a:rPr lang="en-US" dirty="0"/>
+              <a:t> </a:t>
+            </a:r>
+            <a:r>
+              <a:rPr lang="en-US" dirty="0" err="1"/>
+              <a:t>thuật</a:t>
+            </a:r>
+            <a:r>
+              <a:rPr lang="en-US" dirty="0"/>
+              <a:t> </a:t>
+            </a:r>
+            <a:r>
+              <a:rPr lang="en-US" dirty="0" err="1"/>
+              <a:t>toán</a:t>
+            </a:r>
+            <a:r>
+              <a:rPr lang="en-US" dirty="0"/>
+              <a:t> </a:t>
+            </a:r>
+            <a:r>
+              <a:rPr lang="en-US" dirty="0" err="1"/>
+              <a:t>sử</a:t>
+            </a:r>
+            <a:r>
+              <a:rPr lang="en-US" dirty="0"/>
+              <a:t> </a:t>
+            </a:r>
+            <a:r>
+              <a:rPr lang="en-US" dirty="0" err="1"/>
+              <a:t>dụng</a:t>
+            </a:r>
+            <a:r>
+              <a:rPr lang="en-US" dirty="0"/>
+              <a:t>: word vector, neuron network,…</a:t>
+            </a:r>
+          </a:p>
+          <a:p>
+            <a:r>
+              <a:rPr lang="en-US" dirty="0" err="1"/>
+              <a:t>Giới</a:t>
+            </a:r>
+            <a:r>
+              <a:rPr lang="en-US" dirty="0"/>
+              <a:t> </a:t>
+            </a:r>
+            <a:r>
+              <a:rPr lang="en-US" dirty="0" err="1"/>
+              <a:t>thiệu</a:t>
+            </a:r>
+            <a:r>
+              <a:rPr lang="en-US" dirty="0"/>
+              <a:t> </a:t>
+            </a:r>
+            <a:r>
+              <a:rPr lang="en-US" dirty="0" err="1"/>
+              <a:t>rasa_nlu</a:t>
+            </a:r>
+            <a:endParaRPr lang="en-US" dirty="0"/>
+          </a:p>
+          <a:p>
+            <a:pPr lvl="1"/>
+            <a:r>
+              <a:rPr lang="en-US" dirty="0" err="1"/>
+              <a:t>Cách</a:t>
+            </a:r>
+            <a:r>
+              <a:rPr lang="en-US" dirty="0"/>
+              <a:t> </a:t>
+            </a:r>
+            <a:r>
+              <a:rPr lang="en-US" dirty="0" err="1"/>
+              <a:t>cài</a:t>
+            </a:r>
+            <a:r>
+              <a:rPr lang="en-US" dirty="0"/>
+              <a:t> </a:t>
+            </a:r>
+            <a:r>
+              <a:rPr lang="en-US" dirty="0" err="1"/>
+              <a:t>đặt</a:t>
+            </a:r>
+            <a:r>
+              <a:rPr lang="en-US" dirty="0"/>
+              <a:t>: </a:t>
+            </a:r>
+            <a:r>
+              <a:rPr lang="en-US" dirty="0" err="1"/>
+              <a:t>cách</a:t>
+            </a:r>
+            <a:r>
+              <a:rPr lang="en-US" dirty="0"/>
+              <a:t> build, </a:t>
+            </a:r>
+            <a:r>
+              <a:rPr lang="en-US" dirty="0" err="1"/>
+              <a:t>cài</a:t>
+            </a:r>
+            <a:r>
+              <a:rPr lang="en-US" dirty="0"/>
+              <a:t> dependency</a:t>
+            </a:r>
+          </a:p>
+          <a:p>
+            <a:pPr lvl="1"/>
+            <a:r>
+              <a:rPr lang="en-US" dirty="0" err="1"/>
+              <a:t>Cách</a:t>
+            </a:r>
+            <a:r>
+              <a:rPr lang="en-US" dirty="0"/>
+              <a:t> </a:t>
+            </a:r>
+            <a:r>
+              <a:rPr lang="en-US" dirty="0" err="1"/>
+              <a:t>sử</a:t>
+            </a:r>
+            <a:r>
+              <a:rPr lang="en-US" dirty="0"/>
+              <a:t> </a:t>
+            </a:r>
+            <a:r>
+              <a:rPr lang="en-US" dirty="0" err="1"/>
+              <a:t>dụng</a:t>
+            </a:r>
+            <a:endParaRPr lang="en-US" dirty="0"/>
+          </a:p>
+          <a:p>
+            <a:pPr lvl="1"/>
+            <a:r>
+              <a:rPr lang="en-US" dirty="0" err="1"/>
+              <a:t>Chuẩn</a:t>
+            </a:r>
+            <a:r>
+              <a:rPr lang="en-US" dirty="0"/>
+              <a:t> </a:t>
+            </a:r>
+            <a:r>
+              <a:rPr lang="en-US" dirty="0" err="1"/>
+              <a:t>bị</a:t>
+            </a:r>
+            <a:r>
+              <a:rPr lang="en-US" dirty="0"/>
+              <a:t>, </a:t>
+            </a:r>
+            <a:r>
+              <a:rPr lang="en-US" dirty="0" err="1"/>
+              <a:t>tiền</a:t>
+            </a:r>
+            <a:r>
+              <a:rPr lang="en-US" dirty="0"/>
+              <a:t> </a:t>
+            </a:r>
+            <a:r>
+              <a:rPr lang="en-US" dirty="0" err="1"/>
+              <a:t>xử</a:t>
+            </a:r>
+            <a:r>
+              <a:rPr lang="en-US" dirty="0"/>
+              <a:t> </a:t>
+            </a:r>
+            <a:r>
+              <a:rPr lang="en-US" dirty="0" err="1"/>
+              <a:t>lý</a:t>
+            </a:r>
+            <a:r>
+              <a:rPr lang="en-US" dirty="0"/>
+              <a:t> data</a:t>
+            </a:r>
+          </a:p>
+          <a:p>
+            <a:pPr lvl="1"/>
+            <a:r>
+              <a:rPr lang="en-US" dirty="0" err="1"/>
+              <a:t>Kết</a:t>
+            </a:r>
+            <a:r>
+              <a:rPr lang="en-US" dirty="0"/>
+              <a:t> </a:t>
+            </a:r>
+            <a:r>
+              <a:rPr lang="en-US" dirty="0" err="1"/>
+              <a:t>quả</a:t>
+            </a:r>
+            <a:r>
+              <a:rPr lang="en-US" dirty="0"/>
+              <a:t> verify model</a:t>
+            </a:r>
+          </a:p>
+          <a:p>
+            <a:r>
+              <a:rPr lang="en-US" dirty="0" err="1"/>
+              <a:t>Cách</a:t>
+            </a:r>
+            <a:r>
+              <a:rPr lang="en-US" dirty="0"/>
+              <a:t> </a:t>
+            </a:r>
+            <a:r>
+              <a:rPr lang="en-US" dirty="0" err="1"/>
+              <a:t>ứng</a:t>
+            </a:r>
+            <a:r>
+              <a:rPr lang="en-US" dirty="0"/>
+              <a:t> </a:t>
+            </a:r>
+            <a:r>
+              <a:rPr lang="en-US" dirty="0" err="1"/>
+              <a:t>dụng</a:t>
+            </a:r>
+            <a:r>
+              <a:rPr lang="en-US" dirty="0"/>
+              <a:t> </a:t>
+            </a:r>
+            <a:r>
+              <a:rPr lang="en-US" dirty="0" err="1"/>
+              <a:t>vào</a:t>
+            </a:r>
+            <a:r>
+              <a:rPr lang="en-US" dirty="0"/>
+              <a:t> </a:t>
+            </a:r>
+            <a:r>
+              <a:rPr lang="en-US" dirty="0" err="1"/>
+              <a:t>đồ</a:t>
+            </a:r>
+            <a:r>
+              <a:rPr lang="en-US" dirty="0"/>
+              <a:t> </a:t>
+            </a:r>
+            <a:r>
+              <a:rPr lang="en-US" dirty="0" err="1"/>
+              <a:t>án</a:t>
+            </a:r>
+            <a:r>
+              <a:rPr lang="en-US" dirty="0"/>
+              <a:t>, </a:t>
+            </a:r>
+            <a:r>
+              <a:rPr lang="en-US" dirty="0" err="1"/>
+              <a:t>vai</a:t>
+            </a:r>
+            <a:r>
+              <a:rPr lang="en-US" dirty="0"/>
+              <a:t> </a:t>
+            </a:r>
+            <a:r>
+              <a:rPr lang="en-US" dirty="0" err="1"/>
+              <a:t>trò</a:t>
+            </a:r>
+            <a:r>
+              <a:rPr lang="en-US" dirty="0"/>
+              <a:t> </a:t>
+            </a:r>
+            <a:r>
+              <a:rPr lang="en-US" dirty="0" err="1"/>
+              <a:t>trong</a:t>
+            </a:r>
+            <a:r>
+              <a:rPr lang="en-US" dirty="0"/>
+              <a:t> </a:t>
+            </a:r>
+            <a:r>
+              <a:rPr lang="en-US" dirty="0" err="1"/>
+              <a:t>hệ</a:t>
+            </a:r>
+            <a:r>
+              <a:rPr lang="en-US" dirty="0"/>
+              <a:t> </a:t>
+            </a:r>
+            <a:r>
+              <a:rPr lang="en-US" dirty="0" err="1"/>
+              <a:t>thống</a:t>
+            </a:r>
+            <a:endParaRPr lang="en-US" dirty="0"/>
+          </a:p>
           <a:p>
             <a:endParaRPr lang="en-US" dirty="0"/>
           </a:p>
@@ -4400,17 +5910,21 @@
             </a:r>
             <a:r>
               <a:rPr lang="en-US" dirty="0" err="1"/>
-              <a:t>Kết</a:t>
-            </a:r>
-            <a:r>
-              <a:rPr lang="en-US" dirty="0"/>
-              <a:t> </a:t>
-            </a:r>
-            <a:r>
-              <a:rPr lang="en-US" dirty="0" err="1"/>
-              <a:t>luận</a:t>
-            </a:r>
-            <a:endParaRPr lang="en-US" dirty="0"/>
+              <a:t>Ứng</a:t>
+            </a:r>
+            <a:r>
+              <a:rPr lang="en-US" dirty="0"/>
+              <a:t> </a:t>
+            </a:r>
+            <a:r>
+              <a:rPr lang="en-US" dirty="0" err="1"/>
+              <a:t>dụng</a:t>
+            </a:r>
+            <a:r>
+              <a:rPr lang="en-US" dirty="0"/>
+              <a:t> Alexa</a:t>
+            </a:r>
+            <a:endParaRPr lang="en-US" i="1" dirty="0"/>
           </a:p>
         </p:txBody>
       </p:sp>
@@ -4431,70 +5945,176 @@
           <a:p>
             <a:r>
               <a:rPr lang="en-US" dirty="0" err="1"/>
-              <a:t>Tóm</a:t>
-            </a:r>
-            <a:r>
-              <a:rPr lang="en-US" dirty="0"/>
-              <a:t> </a:t>
-            </a:r>
-            <a:r>
-              <a:rPr lang="en-US" dirty="0" err="1"/>
-              <a:t>tắt</a:t>
-            </a:r>
-            <a:r>
-              <a:rPr lang="en-US" dirty="0"/>
-              <a:t> </a:t>
-            </a:r>
-            <a:r>
-              <a:rPr lang="en-US" dirty="0" err="1"/>
-              <a:t>lại</a:t>
-            </a:r>
-            <a:r>
-              <a:rPr lang="en-US" dirty="0"/>
-              <a:t> </a:t>
-            </a:r>
-            <a:r>
-              <a:rPr lang="en-US" dirty="0" err="1"/>
-              <a:t>luận</a:t>
-            </a:r>
-            <a:r>
-              <a:rPr lang="en-US" dirty="0"/>
-              <a:t> </a:t>
-            </a:r>
-            <a:r>
-              <a:rPr lang="en-US" dirty="0" err="1"/>
-              <a:t>văn</a:t>
-            </a:r>
-            <a:endParaRPr lang="en-US" dirty="0"/>
-          </a:p>
-          <a:p>
-            <a:r>
-              <a:rPr lang="en-US" dirty="0" err="1"/>
-              <a:t>Đánh</a:t>
-            </a:r>
-            <a:r>
-              <a:rPr lang="en-US" dirty="0"/>
-              <a:t> </a:t>
-            </a:r>
-            <a:r>
-              <a:rPr lang="en-US" dirty="0" err="1"/>
-              <a:t>giá</a:t>
-            </a:r>
-            <a:r>
-              <a:rPr lang="en-US" dirty="0"/>
-              <a:t> </a:t>
-            </a:r>
-            <a:r>
-              <a:rPr lang="en-US" dirty="0" err="1"/>
-              <a:t>luận</a:t>
-            </a:r>
-            <a:r>
-              <a:rPr lang="en-US" dirty="0"/>
-              <a:t> </a:t>
-            </a:r>
-            <a:r>
-              <a:rPr lang="en-US" dirty="0" err="1"/>
-              <a:t>văn</a:t>
+              <a:t>Các</a:t>
+            </a:r>
+            <a:r>
+              <a:rPr lang="en-US" dirty="0"/>
+              <a:t> </a:t>
+            </a:r>
+            <a:r>
+              <a:rPr lang="en-US" dirty="0" err="1"/>
+              <a:t>thành</a:t>
+            </a:r>
+            <a:r>
+              <a:rPr lang="en-US" dirty="0"/>
+              <a:t> </a:t>
+            </a:r>
+            <a:r>
+              <a:rPr lang="en-US" dirty="0" err="1"/>
+              <a:t>phần</a:t>
+            </a:r>
+            <a:r>
+              <a:rPr lang="en-US" dirty="0"/>
+              <a:t> </a:t>
+            </a:r>
+            <a:r>
+              <a:rPr lang="en-US" dirty="0" err="1"/>
+              <a:t>chính</a:t>
+            </a:r>
+            <a:endParaRPr lang="en-US" dirty="0"/>
+          </a:p>
+          <a:p>
+            <a:r>
+              <a:rPr lang="en-US" dirty="0"/>
+              <a:t>S</a:t>
+            </a:r>
+            <a:r>
+              <a:rPr lang="vi-VN" dirty="0"/>
+              <a:t>ơ</a:t>
+            </a:r>
+            <a:r>
+              <a:rPr lang="en-US" dirty="0"/>
+              <a:t> </a:t>
+            </a:r>
+            <a:r>
+              <a:rPr lang="en-US" dirty="0" err="1"/>
+              <a:t>đồ</a:t>
+            </a:r>
+            <a:r>
+              <a:rPr lang="en-US" dirty="0"/>
+              <a:t> </a:t>
+            </a:r>
+            <a:r>
+              <a:rPr lang="en-US" dirty="0" err="1"/>
+              <a:t>hoạt</a:t>
+            </a:r>
+            <a:r>
+              <a:rPr lang="en-US" dirty="0"/>
+              <a:t> </a:t>
+            </a:r>
+            <a:r>
+              <a:rPr lang="en-US" dirty="0" err="1"/>
+              <a:t>động</a:t>
+            </a:r>
+            <a:endParaRPr lang="en-US" dirty="0"/>
+          </a:p>
+          <a:p>
+            <a:r>
+              <a:rPr lang="en-US" dirty="0" err="1"/>
+              <a:t>Các</a:t>
+            </a:r>
+            <a:r>
+              <a:rPr lang="en-US" dirty="0"/>
+              <a:t> </a:t>
+            </a:r>
+            <a:r>
+              <a:rPr lang="en-US" dirty="0" err="1"/>
+              <a:t>chức</a:t>
+            </a:r>
+            <a:r>
+              <a:rPr lang="en-US" dirty="0"/>
+              <a:t> </a:t>
+            </a:r>
+            <a:r>
+              <a:rPr lang="en-US" dirty="0" err="1"/>
+              <a:t>năng</a:t>
+            </a:r>
+            <a:r>
+              <a:rPr lang="en-US" dirty="0"/>
+              <a:t> </a:t>
+            </a:r>
+            <a:r>
+              <a:rPr lang="en-US" dirty="0" err="1"/>
+              <a:t>chính</a:t>
+            </a:r>
+            <a:endParaRPr lang="en-US" dirty="0"/>
+          </a:p>
+          <a:p>
+            <a:pPr lvl="1"/>
+            <a:r>
+              <a:rPr lang="en-US" dirty="0" err="1"/>
+              <a:t>Giới</a:t>
+            </a:r>
+            <a:r>
+              <a:rPr lang="en-US" dirty="0"/>
+              <a:t> </a:t>
+            </a:r>
+            <a:r>
+              <a:rPr lang="en-US" dirty="0" err="1"/>
+              <a:t>thiệu</a:t>
+            </a:r>
+            <a:r>
+              <a:rPr lang="en-US" dirty="0"/>
+              <a:t> </a:t>
+            </a:r>
+            <a:r>
+              <a:rPr lang="en-US" dirty="0" err="1"/>
+              <a:t>các</a:t>
+            </a:r>
+            <a:r>
+              <a:rPr lang="en-US" dirty="0"/>
+              <a:t> </a:t>
+            </a:r>
+            <a:r>
+              <a:rPr lang="en-US" dirty="0" err="1"/>
+              <a:t>dịch</a:t>
+            </a:r>
+            <a:r>
+              <a:rPr lang="en-US" dirty="0"/>
+              <a:t> </a:t>
+            </a:r>
+            <a:r>
+              <a:rPr lang="en-US" dirty="0" err="1"/>
+              <a:t>vụ</a:t>
+            </a:r>
+            <a:r>
+              <a:rPr lang="en-US" dirty="0"/>
+              <a:t> </a:t>
+            </a:r>
+            <a:r>
+              <a:rPr lang="en-US" dirty="0" err="1"/>
+              <a:t>sử</a:t>
+            </a:r>
+            <a:r>
+              <a:rPr lang="en-US" dirty="0"/>
+              <a:t> </a:t>
+            </a:r>
+            <a:r>
+              <a:rPr lang="en-US" dirty="0" err="1"/>
+              <a:t>dụng</a:t>
+            </a:r>
+            <a:endParaRPr lang="en-US" dirty="0"/>
+          </a:p>
+          <a:p>
+            <a:r>
+              <a:rPr lang="en-US" dirty="0" err="1"/>
+              <a:t>Giao</a:t>
+            </a:r>
+            <a:r>
+              <a:rPr lang="en-US" dirty="0"/>
+              <a:t> </a:t>
+            </a:r>
+            <a:r>
+              <a:rPr lang="en-US" dirty="0" err="1"/>
+              <a:t>diện</a:t>
+            </a:r>
+            <a:r>
+              <a:rPr lang="en-US" dirty="0"/>
+              <a:t> (</a:t>
+            </a:r>
+            <a:r>
+              <a:rPr lang="en-US" dirty="0" err="1"/>
+              <a:t>nếu</a:t>
             </a:r>
             <a:r>
               <a:rPr lang="en-US" dirty="0"/>
@@ -4503,117 +6123,6 @@
             <a:r>
               <a:rPr lang="en-US" dirty="0" err="1"/>
               <a:t>có</a:t>
-            </a:r>
-            <a:r>
-              <a:rPr lang="en-US" dirty="0"/>
-              <a:t> </a:t>
-            </a:r>
-            <a:r>
-              <a:rPr lang="en-US" dirty="0" err="1"/>
-              <a:t>đặt</a:t>
-            </a:r>
-            <a:r>
-              <a:rPr lang="en-US" dirty="0"/>
-              <a:t> </a:t>
-            </a:r>
-            <a:r>
-              <a:rPr lang="en-US" dirty="0" err="1"/>
-              <a:t>được</a:t>
-            </a:r>
-            <a:r>
-              <a:rPr lang="en-US" dirty="0"/>
-              <a:t> </a:t>
-            </a:r>
-            <a:r>
-              <a:rPr lang="en-US" dirty="0" err="1"/>
-              <a:t>mục</a:t>
-            </a:r>
-            <a:r>
-              <a:rPr lang="en-US" dirty="0"/>
-              <a:t> </a:t>
-            </a:r>
-            <a:r>
-              <a:rPr lang="en-US" dirty="0" err="1"/>
-              <a:t>tiêu</a:t>
-            </a:r>
-            <a:r>
-              <a:rPr lang="en-US" dirty="0"/>
-              <a:t> </a:t>
-            </a:r>
-            <a:r>
-              <a:rPr lang="en-US" dirty="0" err="1"/>
-              <a:t>đề</a:t>
-            </a:r>
-            <a:r>
-              <a:rPr lang="en-US" dirty="0"/>
-              <a:t> </a:t>
-            </a:r>
-            <a:r>
-              <a:rPr lang="en-US" dirty="0" err="1"/>
-              <a:t>ra</a:t>
-            </a:r>
-            <a:endParaRPr lang="en-US" dirty="0"/>
-          </a:p>
-          <a:p>
-            <a:r>
-              <a:rPr lang="en-US" dirty="0" err="1"/>
-              <a:t>Hướng</a:t>
-            </a:r>
-            <a:r>
-              <a:rPr lang="en-US" dirty="0"/>
-              <a:t> </a:t>
-            </a:r>
-            <a:r>
-              <a:rPr lang="en-US" dirty="0" err="1"/>
-              <a:t>phát</a:t>
-            </a:r>
-            <a:r>
-              <a:rPr lang="en-US" dirty="0"/>
-              <a:t> </a:t>
-            </a:r>
-            <a:r>
-              <a:rPr lang="en-US" dirty="0" err="1"/>
-              <a:t>triển</a:t>
-            </a:r>
-            <a:r>
-              <a:rPr lang="en-US" dirty="0"/>
-              <a:t> </a:t>
-            </a:r>
-            <a:r>
-              <a:rPr lang="en-US" dirty="0" err="1"/>
-              <a:t>của</a:t>
-            </a:r>
-            <a:r>
-              <a:rPr lang="en-US" dirty="0"/>
-              <a:t> </a:t>
-            </a:r>
-            <a:r>
-              <a:rPr lang="en-US" dirty="0" err="1"/>
-              <a:t>luận</a:t>
-            </a:r>
-            <a:r>
-              <a:rPr lang="en-US" dirty="0"/>
-              <a:t> </a:t>
-            </a:r>
-            <a:r>
-              <a:rPr lang="en-US" dirty="0" err="1"/>
-              <a:t>văn</a:t>
-            </a:r>
-            <a:r>
-              <a:rPr lang="en-US" dirty="0"/>
-              <a:t> (</a:t>
-            </a:r>
-            <a:r>
-              <a:rPr lang="en-US" dirty="0" err="1"/>
-              <a:t>hạn</a:t>
-            </a:r>
-            <a:r>
-              <a:rPr lang="en-US" dirty="0"/>
-              <a:t> </a:t>
-            </a:r>
-            <a:r>
-              <a:rPr lang="en-US" dirty="0" err="1"/>
-              <a:t>chế</a:t>
             </a:r>
             <a:r>
               <a:rPr lang="en-US" dirty="0"/>
@@ -4625,7 +6134,7 @@
     </p:spTree>
     <p:extLst>
       <p:ext uri="{BB962C8B-B14F-4D97-AF65-F5344CB8AC3E}">
-        <p14:creationId xmlns:p14="http://schemas.microsoft.com/office/powerpoint/2010/main" val="1258814586"/>
+        <p14:creationId xmlns:p14="http://schemas.microsoft.com/office/powerpoint/2010/main" val="73598046"/>
       </p:ext>
     </p:extLst>
   </p:cSld>
